--- a/computer/linux/git.pptx
+++ b/computer/linux/git.pptx
@@ -104,6 +104,11 @@
       </a:defRPr>
     </a:lvl9pPr>
   </p:defaultTextStyle>
+  <p:extLst>
+    <p:ext uri="{EFAFB233-063F-42B5-8137-9DF3F51BA10A}">
+      <p15:sldGuideLst xmlns:p15="http://schemas.microsoft.com/office/powerpoint/2012/main"/>
+    </p:ext>
+  </p:extLst>
 </p:presentation>
 </file>
 
@@ -254,7 +259,7 @@
           <a:p>
             <a:fld id="{58340405-5144-5F47-8DE4-A8B9906F7BD5}" type="datetimeFigureOut">
               <a:rPr kumimoji="1" lang="zh-CN" altLang="en-US" smtClean="0"/>
-              <a:t>2025/7/2</a:t>
+              <a:t>2025/10/13</a:t>
             </a:fld>
             <a:endParaRPr kumimoji="1" lang="zh-CN" altLang="en-US"/>
           </a:p>
@@ -452,7 +457,7 @@
           <a:p>
             <a:fld id="{58340405-5144-5F47-8DE4-A8B9906F7BD5}" type="datetimeFigureOut">
               <a:rPr kumimoji="1" lang="zh-CN" altLang="en-US" smtClean="0"/>
-              <a:t>2025/7/2</a:t>
+              <a:t>2025/10/13</a:t>
             </a:fld>
             <a:endParaRPr kumimoji="1" lang="zh-CN" altLang="en-US"/>
           </a:p>
@@ -660,7 +665,7 @@
           <a:p>
             <a:fld id="{58340405-5144-5F47-8DE4-A8B9906F7BD5}" type="datetimeFigureOut">
               <a:rPr kumimoji="1" lang="zh-CN" altLang="en-US" smtClean="0"/>
-              <a:t>2025/7/2</a:t>
+              <a:t>2025/10/13</a:t>
             </a:fld>
             <a:endParaRPr kumimoji="1" lang="zh-CN" altLang="en-US"/>
           </a:p>
@@ -858,7 +863,7 @@
           <a:p>
             <a:fld id="{58340405-5144-5F47-8DE4-A8B9906F7BD5}" type="datetimeFigureOut">
               <a:rPr kumimoji="1" lang="zh-CN" altLang="en-US" smtClean="0"/>
-              <a:t>2025/7/2</a:t>
+              <a:t>2025/10/13</a:t>
             </a:fld>
             <a:endParaRPr kumimoji="1" lang="zh-CN" altLang="en-US"/>
           </a:p>
@@ -1133,7 +1138,7 @@
           <a:p>
             <a:fld id="{58340405-5144-5F47-8DE4-A8B9906F7BD5}" type="datetimeFigureOut">
               <a:rPr kumimoji="1" lang="zh-CN" altLang="en-US" smtClean="0"/>
-              <a:t>2025/7/2</a:t>
+              <a:t>2025/10/13</a:t>
             </a:fld>
             <a:endParaRPr kumimoji="1" lang="zh-CN" altLang="en-US"/>
           </a:p>
@@ -1398,7 +1403,7 @@
           <a:p>
             <a:fld id="{58340405-5144-5F47-8DE4-A8B9906F7BD5}" type="datetimeFigureOut">
               <a:rPr kumimoji="1" lang="zh-CN" altLang="en-US" smtClean="0"/>
-              <a:t>2025/7/2</a:t>
+              <a:t>2025/10/13</a:t>
             </a:fld>
             <a:endParaRPr kumimoji="1" lang="zh-CN" altLang="en-US"/>
           </a:p>
@@ -1810,7 +1815,7 @@
           <a:p>
             <a:fld id="{58340405-5144-5F47-8DE4-A8B9906F7BD5}" type="datetimeFigureOut">
               <a:rPr kumimoji="1" lang="zh-CN" altLang="en-US" smtClean="0"/>
-              <a:t>2025/7/2</a:t>
+              <a:t>2025/10/13</a:t>
             </a:fld>
             <a:endParaRPr kumimoji="1" lang="zh-CN" altLang="en-US"/>
           </a:p>
@@ -1951,7 +1956,7 @@
           <a:p>
             <a:fld id="{58340405-5144-5F47-8DE4-A8B9906F7BD5}" type="datetimeFigureOut">
               <a:rPr kumimoji="1" lang="zh-CN" altLang="en-US" smtClean="0"/>
-              <a:t>2025/7/2</a:t>
+              <a:t>2025/10/13</a:t>
             </a:fld>
             <a:endParaRPr kumimoji="1" lang="zh-CN" altLang="en-US"/>
           </a:p>
@@ -2064,7 +2069,7 @@
           <a:p>
             <a:fld id="{58340405-5144-5F47-8DE4-A8B9906F7BD5}" type="datetimeFigureOut">
               <a:rPr kumimoji="1" lang="zh-CN" altLang="en-US" smtClean="0"/>
-              <a:t>2025/7/2</a:t>
+              <a:t>2025/10/13</a:t>
             </a:fld>
             <a:endParaRPr kumimoji="1" lang="zh-CN" altLang="en-US"/>
           </a:p>
@@ -2375,7 +2380,7 @@
           <a:p>
             <a:fld id="{58340405-5144-5F47-8DE4-A8B9906F7BD5}" type="datetimeFigureOut">
               <a:rPr kumimoji="1" lang="zh-CN" altLang="en-US" smtClean="0"/>
-              <a:t>2025/7/2</a:t>
+              <a:t>2025/10/13</a:t>
             </a:fld>
             <a:endParaRPr kumimoji="1" lang="zh-CN" altLang="en-US"/>
           </a:p>
@@ -2663,7 +2668,7 @@
           <a:p>
             <a:fld id="{58340405-5144-5F47-8DE4-A8B9906F7BD5}" type="datetimeFigureOut">
               <a:rPr kumimoji="1" lang="zh-CN" altLang="en-US" smtClean="0"/>
-              <a:t>2025/7/2</a:t>
+              <a:t>2025/10/13</a:t>
             </a:fld>
             <a:endParaRPr kumimoji="1" lang="zh-CN" altLang="en-US"/>
           </a:p>
@@ -2904,7 +2909,7 @@
           <a:p>
             <a:fld id="{58340405-5144-5F47-8DE4-A8B9906F7BD5}" type="datetimeFigureOut">
               <a:rPr kumimoji="1" lang="zh-CN" altLang="en-US" smtClean="0"/>
-              <a:t>2025/7/2</a:t>
+              <a:t>2025/10/13</a:t>
             </a:fld>
             <a:endParaRPr kumimoji="1" lang="zh-CN" altLang="en-US"/>
           </a:p>
@@ -4268,13 +4273,42 @@
             <a:p>
               <a:pPr algn="ctr"/>
               <a:r>
-                <a:rPr kumimoji="1" lang="en-US" altLang="zh-CN" sz="1600" dirty="0">
+                <a:rPr kumimoji="1" lang="en-US" altLang="zh-CN" sz="1200" dirty="0">
                   <a:solidFill>
                     <a:schemeClr val="tx1"/>
                   </a:solidFill>
                 </a:rPr>
-                <a:t>git restore file.txt</a:t>
+                <a:t>git restore –staged</a:t>
               </a:r>
+              <a:r>
+                <a:rPr kumimoji="1" lang="zh-CN" altLang="en-US" sz="1200" dirty="0">
+                  <a:solidFill>
+                    <a:schemeClr val="tx1"/>
+                  </a:solidFill>
+                </a:rPr>
+                <a:t> </a:t>
+              </a:r>
+              <a:r>
+                <a:rPr kumimoji="1" lang="en-US" altLang="zh-CN" sz="1200" dirty="0" err="1">
+                  <a:solidFill>
+                    <a:schemeClr val="tx1"/>
+                  </a:solidFill>
+                </a:rPr>
+                <a:t>file.txt</a:t>
+              </a:r>
+              <a:r>
+                <a:rPr kumimoji="1" lang="zh-CN" altLang="en-US" sz="1200" dirty="0">
+                  <a:solidFill>
+                    <a:schemeClr val="tx1"/>
+                  </a:solidFill>
+                </a:rPr>
+                <a:t> </a:t>
+              </a:r>
+              <a:endParaRPr kumimoji="1" lang="en-US" altLang="zh-CN" sz="1200" dirty="0">
+                <a:solidFill>
+                  <a:schemeClr val="tx1"/>
+                </a:solidFill>
+              </a:endParaRPr>
             </a:p>
           </p:txBody>
         </p:sp>

--- a/computer/linux/git.pptx
+++ b/computer/linux/git.pptx
@@ -259,7 +259,7 @@
           <a:p>
             <a:fld id="{58340405-5144-5F47-8DE4-A8B9906F7BD5}" type="datetimeFigureOut">
               <a:rPr kumimoji="1" lang="zh-CN" altLang="en-US" smtClean="0"/>
-              <a:t>2025/10/13</a:t>
+              <a:t>2025/12/7</a:t>
             </a:fld>
             <a:endParaRPr kumimoji="1" lang="zh-CN" altLang="en-US"/>
           </a:p>
@@ -457,7 +457,7 @@
           <a:p>
             <a:fld id="{58340405-5144-5F47-8DE4-A8B9906F7BD5}" type="datetimeFigureOut">
               <a:rPr kumimoji="1" lang="zh-CN" altLang="en-US" smtClean="0"/>
-              <a:t>2025/10/13</a:t>
+              <a:t>2025/12/7</a:t>
             </a:fld>
             <a:endParaRPr kumimoji="1" lang="zh-CN" altLang="en-US"/>
           </a:p>
@@ -665,7 +665,7 @@
           <a:p>
             <a:fld id="{58340405-5144-5F47-8DE4-A8B9906F7BD5}" type="datetimeFigureOut">
               <a:rPr kumimoji="1" lang="zh-CN" altLang="en-US" smtClean="0"/>
-              <a:t>2025/10/13</a:t>
+              <a:t>2025/12/7</a:t>
             </a:fld>
             <a:endParaRPr kumimoji="1" lang="zh-CN" altLang="en-US"/>
           </a:p>
@@ -863,7 +863,7 @@
           <a:p>
             <a:fld id="{58340405-5144-5F47-8DE4-A8B9906F7BD5}" type="datetimeFigureOut">
               <a:rPr kumimoji="1" lang="zh-CN" altLang="en-US" smtClean="0"/>
-              <a:t>2025/10/13</a:t>
+              <a:t>2025/12/7</a:t>
             </a:fld>
             <a:endParaRPr kumimoji="1" lang="zh-CN" altLang="en-US"/>
           </a:p>
@@ -1138,7 +1138,7 @@
           <a:p>
             <a:fld id="{58340405-5144-5F47-8DE4-A8B9906F7BD5}" type="datetimeFigureOut">
               <a:rPr kumimoji="1" lang="zh-CN" altLang="en-US" smtClean="0"/>
-              <a:t>2025/10/13</a:t>
+              <a:t>2025/12/7</a:t>
             </a:fld>
             <a:endParaRPr kumimoji="1" lang="zh-CN" altLang="en-US"/>
           </a:p>
@@ -1403,7 +1403,7 @@
           <a:p>
             <a:fld id="{58340405-5144-5F47-8DE4-A8B9906F7BD5}" type="datetimeFigureOut">
               <a:rPr kumimoji="1" lang="zh-CN" altLang="en-US" smtClean="0"/>
-              <a:t>2025/10/13</a:t>
+              <a:t>2025/12/7</a:t>
             </a:fld>
             <a:endParaRPr kumimoji="1" lang="zh-CN" altLang="en-US"/>
           </a:p>
@@ -1815,7 +1815,7 @@
           <a:p>
             <a:fld id="{58340405-5144-5F47-8DE4-A8B9906F7BD5}" type="datetimeFigureOut">
               <a:rPr kumimoji="1" lang="zh-CN" altLang="en-US" smtClean="0"/>
-              <a:t>2025/10/13</a:t>
+              <a:t>2025/12/7</a:t>
             </a:fld>
             <a:endParaRPr kumimoji="1" lang="zh-CN" altLang="en-US"/>
           </a:p>
@@ -1956,7 +1956,7 @@
           <a:p>
             <a:fld id="{58340405-5144-5F47-8DE4-A8B9906F7BD5}" type="datetimeFigureOut">
               <a:rPr kumimoji="1" lang="zh-CN" altLang="en-US" smtClean="0"/>
-              <a:t>2025/10/13</a:t>
+              <a:t>2025/12/7</a:t>
             </a:fld>
             <a:endParaRPr kumimoji="1" lang="zh-CN" altLang="en-US"/>
           </a:p>
@@ -2069,7 +2069,7 @@
           <a:p>
             <a:fld id="{58340405-5144-5F47-8DE4-A8B9906F7BD5}" type="datetimeFigureOut">
               <a:rPr kumimoji="1" lang="zh-CN" altLang="en-US" smtClean="0"/>
-              <a:t>2025/10/13</a:t>
+              <a:t>2025/12/7</a:t>
             </a:fld>
             <a:endParaRPr kumimoji="1" lang="zh-CN" altLang="en-US"/>
           </a:p>
@@ -2380,7 +2380,7 @@
           <a:p>
             <a:fld id="{58340405-5144-5F47-8DE4-A8B9906F7BD5}" type="datetimeFigureOut">
               <a:rPr kumimoji="1" lang="zh-CN" altLang="en-US" smtClean="0"/>
-              <a:t>2025/10/13</a:t>
+              <a:t>2025/12/7</a:t>
             </a:fld>
             <a:endParaRPr kumimoji="1" lang="zh-CN" altLang="en-US"/>
           </a:p>
@@ -2668,7 +2668,7 @@
           <a:p>
             <a:fld id="{58340405-5144-5F47-8DE4-A8B9906F7BD5}" type="datetimeFigureOut">
               <a:rPr kumimoji="1" lang="zh-CN" altLang="en-US" smtClean="0"/>
-              <a:t>2025/10/13</a:t>
+              <a:t>2025/12/7</a:t>
             </a:fld>
             <a:endParaRPr kumimoji="1" lang="zh-CN" altLang="en-US"/>
           </a:p>
@@ -2909,7 +2909,7 @@
           <a:p>
             <a:fld id="{58340405-5144-5F47-8DE4-A8B9906F7BD5}" type="datetimeFigureOut">
               <a:rPr kumimoji="1" lang="zh-CN" altLang="en-US" smtClean="0"/>
-              <a:t>2025/10/13</a:t>
+              <a:t>2025/12/7</a:t>
             </a:fld>
             <a:endParaRPr kumimoji="1" lang="zh-CN" altLang="en-US"/>
           </a:p>
@@ -3412,17 +3412,23 @@
               <a:p>
                 <a:pPr algn="ctr"/>
                 <a:r>
-                  <a:rPr kumimoji="1" lang="en-US" altLang="zh-CN" dirty="0">
+                  <a:rPr kumimoji="1" lang="en-US" altLang="zh-CN" sz="1600" b="1" dirty="0">
                     <a:solidFill>
                       <a:schemeClr val="tx1"/>
                     </a:solidFill>
+                    <a:latin typeface="Microsoft YaHei" panose="020B0503020204020204" pitchFamily="34" charset="-122"/>
+                    <a:ea typeface="Microsoft YaHei" panose="020B0503020204020204" pitchFamily="34" charset="-122"/>
+                    <a:cs typeface="Arial" panose="020B0604020202020204" pitchFamily="34" charset="0"/>
                   </a:rPr>
                   <a:t>untracked</a:t>
                 </a:r>
-                <a:endParaRPr kumimoji="1" lang="zh-CN" altLang="en-US">
+                <a:endParaRPr kumimoji="1" lang="zh-CN" altLang="en-US" sz="1600" b="1" dirty="0">
                   <a:solidFill>
                     <a:schemeClr val="tx1"/>
                   </a:solidFill>
+                  <a:latin typeface="Microsoft YaHei" panose="020B0503020204020204" pitchFamily="34" charset="-122"/>
+                  <a:ea typeface="Microsoft YaHei" panose="020B0503020204020204" pitchFamily="34" charset="-122"/>
+                  <a:cs typeface="Arial" panose="020B0604020202020204" pitchFamily="34" charset="0"/>
                 </a:endParaRPr>
               </a:p>
             </p:txBody>
@@ -3473,17 +3479,23 @@
               <a:p>
                 <a:pPr algn="ctr"/>
                 <a:r>
-                  <a:rPr kumimoji="1" lang="en-US" altLang="zh-CN" dirty="0">
+                  <a:rPr kumimoji="1" lang="en-US" altLang="zh-CN" sz="1600" b="1" dirty="0">
                     <a:solidFill>
                       <a:schemeClr val="tx1"/>
                     </a:solidFill>
+                    <a:latin typeface="Microsoft YaHei" panose="020B0503020204020204" pitchFamily="34" charset="-122"/>
+                    <a:ea typeface="Microsoft YaHei" panose="020B0503020204020204" pitchFamily="34" charset="-122"/>
+                    <a:cs typeface="Arial" panose="020B0604020202020204" pitchFamily="34" charset="0"/>
                   </a:rPr>
                   <a:t>unmodified</a:t>
                 </a:r>
-                <a:endParaRPr kumimoji="1" lang="zh-CN" altLang="en-US">
+                <a:endParaRPr kumimoji="1" lang="zh-CN" altLang="en-US" sz="1600" b="1">
                   <a:solidFill>
                     <a:schemeClr val="tx1"/>
                   </a:solidFill>
+                  <a:latin typeface="Microsoft YaHei" panose="020B0503020204020204" pitchFamily="34" charset="-122"/>
+                  <a:ea typeface="Microsoft YaHei" panose="020B0503020204020204" pitchFamily="34" charset="-122"/>
+                  <a:cs typeface="Arial" panose="020B0604020202020204" pitchFamily="34" charset="0"/>
                 </a:endParaRPr>
               </a:p>
             </p:txBody>
@@ -3537,17 +3549,23 @@
               <a:p>
                 <a:pPr algn="ctr"/>
                 <a:r>
-                  <a:rPr kumimoji="1" lang="en-US" altLang="zh-CN" dirty="0">
+                  <a:rPr kumimoji="1" lang="en-US" altLang="zh-CN" sz="1600" b="1" dirty="0">
                     <a:solidFill>
                       <a:schemeClr val="tx1"/>
                     </a:solidFill>
+                    <a:latin typeface="Microsoft YaHei" panose="020B0503020204020204" pitchFamily="34" charset="-122"/>
+                    <a:ea typeface="Microsoft YaHei" panose="020B0503020204020204" pitchFamily="34" charset="-122"/>
+                    <a:cs typeface="Arial" panose="020B0604020202020204" pitchFamily="34" charset="0"/>
                   </a:rPr>
                   <a:t>modified</a:t>
                 </a:r>
-                <a:endParaRPr kumimoji="1" lang="zh-CN" altLang="en-US">
+                <a:endParaRPr kumimoji="1" lang="zh-CN" altLang="en-US" sz="1600" b="1">
                   <a:solidFill>
                     <a:schemeClr val="tx1"/>
                   </a:solidFill>
+                  <a:latin typeface="Microsoft YaHei" panose="020B0503020204020204" pitchFamily="34" charset="-122"/>
+                  <a:ea typeface="Microsoft YaHei" panose="020B0503020204020204" pitchFamily="34" charset="-122"/>
+                  <a:cs typeface="Arial" panose="020B0604020202020204" pitchFamily="34" charset="0"/>
                 </a:endParaRPr>
               </a:p>
             </p:txBody>
@@ -3601,17 +3619,23 @@
               <a:p>
                 <a:pPr algn="ctr"/>
                 <a:r>
-                  <a:rPr kumimoji="1" lang="en-US" altLang="zh-CN" dirty="0">
+                  <a:rPr kumimoji="1" lang="en-US" altLang="zh-CN" sz="1600" b="1" dirty="0">
                     <a:solidFill>
                       <a:schemeClr val="tx1"/>
                     </a:solidFill>
+                    <a:latin typeface="Microsoft YaHei" panose="020B0503020204020204" pitchFamily="34" charset="-122"/>
+                    <a:ea typeface="Microsoft YaHei" panose="020B0503020204020204" pitchFamily="34" charset="-122"/>
+                    <a:cs typeface="Arial" panose="020B0604020202020204" pitchFamily="34" charset="0"/>
                   </a:rPr>
                   <a:t>staged</a:t>
                 </a:r>
-                <a:endParaRPr kumimoji="1" lang="zh-CN" altLang="en-US">
+                <a:endParaRPr kumimoji="1" lang="zh-CN" altLang="en-US" sz="1600" b="1" dirty="0">
                   <a:solidFill>
                     <a:schemeClr val="tx1"/>
                   </a:solidFill>
+                  <a:latin typeface="Microsoft YaHei" panose="020B0503020204020204" pitchFamily="34" charset="-122"/>
+                  <a:ea typeface="Microsoft YaHei" panose="020B0503020204020204" pitchFamily="34" charset="-122"/>
+                  <a:cs typeface="Arial" panose="020B0604020202020204" pitchFamily="34" charset="0"/>
                 </a:endParaRPr>
               </a:p>
             </p:txBody>
@@ -3846,49 +3870,67 @@
               <a:p>
                 <a:pPr algn="ctr"/>
                 <a:r>
-                  <a:rPr kumimoji="1" lang="en-US" altLang="zh-CN" dirty="0">
+                  <a:rPr kumimoji="1" lang="en-US" altLang="zh-CN" sz="1600" dirty="0">
                     <a:solidFill>
                       <a:schemeClr val="tx1"/>
                     </a:solidFill>
+                    <a:latin typeface="Microsoft YaHei" panose="020B0503020204020204" pitchFamily="34" charset="-122"/>
+                    <a:ea typeface="Microsoft YaHei" panose="020B0503020204020204" pitchFamily="34" charset="-122"/>
+                    <a:cs typeface="Arial" panose="020B0604020202020204" pitchFamily="34" charset="0"/>
                   </a:rPr>
                   <a:t>git</a:t>
                 </a:r>
                 <a:r>
-                  <a:rPr kumimoji="1" lang="zh-CN" altLang="en-US" dirty="0">
+                  <a:rPr kumimoji="1" lang="zh-CN" altLang="en-US" sz="1600" dirty="0">
                     <a:solidFill>
                       <a:schemeClr val="tx1"/>
                     </a:solidFill>
+                    <a:latin typeface="Microsoft YaHei" panose="020B0503020204020204" pitchFamily="34" charset="-122"/>
+                    <a:ea typeface="Microsoft YaHei" panose="020B0503020204020204" pitchFamily="34" charset="-122"/>
+                    <a:cs typeface="Arial" panose="020B0604020202020204" pitchFamily="34" charset="0"/>
                   </a:rPr>
                   <a:t> </a:t>
                 </a:r>
                 <a:r>
-                  <a:rPr kumimoji="1" lang="en-US" altLang="zh-CN" dirty="0">
+                  <a:rPr kumimoji="1" lang="en-US" altLang="zh-CN" sz="1600" dirty="0">
                     <a:solidFill>
                       <a:schemeClr val="tx1"/>
                     </a:solidFill>
+                    <a:latin typeface="Microsoft YaHei" panose="020B0503020204020204" pitchFamily="34" charset="-122"/>
+                    <a:ea typeface="Microsoft YaHei" panose="020B0503020204020204" pitchFamily="34" charset="-122"/>
+                    <a:cs typeface="Arial" panose="020B0604020202020204" pitchFamily="34" charset="0"/>
                   </a:rPr>
                   <a:t>add</a:t>
                 </a:r>
                 <a:r>
-                  <a:rPr kumimoji="1" lang="zh-CN" altLang="en-US" dirty="0">
+                  <a:rPr kumimoji="1" lang="zh-CN" altLang="en-US" sz="1600" dirty="0">
                     <a:solidFill>
                       <a:schemeClr val="tx1"/>
                     </a:solidFill>
+                    <a:latin typeface="Microsoft YaHei" panose="020B0503020204020204" pitchFamily="34" charset="-122"/>
+                    <a:ea typeface="Microsoft YaHei" panose="020B0503020204020204" pitchFamily="34" charset="-122"/>
+                    <a:cs typeface="Arial" panose="020B0604020202020204" pitchFamily="34" charset="0"/>
                   </a:rPr>
                   <a:t> </a:t>
                 </a:r>
                 <a:r>
-                  <a:rPr kumimoji="1" lang="en-US" altLang="zh-CN" dirty="0">
+                  <a:rPr kumimoji="1" lang="en-US" altLang="zh-CN" sz="1600" dirty="0">
                     <a:solidFill>
                       <a:schemeClr val="tx1"/>
                     </a:solidFill>
+                    <a:latin typeface="Microsoft YaHei" panose="020B0503020204020204" pitchFamily="34" charset="-122"/>
+                    <a:ea typeface="Microsoft YaHei" panose="020B0503020204020204" pitchFamily="34" charset="-122"/>
+                    <a:cs typeface="Arial" panose="020B0604020202020204" pitchFamily="34" charset="0"/>
                   </a:rPr>
                   <a:t>file.txt</a:t>
                 </a:r>
-                <a:endParaRPr kumimoji="1" lang="zh-CN" altLang="en-US" dirty="0">
+                <a:endParaRPr kumimoji="1" lang="zh-CN" altLang="en-US" sz="1600" dirty="0">
                   <a:solidFill>
                     <a:schemeClr val="tx1"/>
                   </a:solidFill>
+                  <a:latin typeface="Microsoft YaHei" panose="020B0503020204020204" pitchFamily="34" charset="-122"/>
+                  <a:ea typeface="Microsoft YaHei" panose="020B0503020204020204" pitchFamily="34" charset="-122"/>
+                  <a:cs typeface="Arial" panose="020B0604020202020204" pitchFamily="34" charset="0"/>
                 </a:endParaRPr>
               </a:p>
             </p:txBody>
@@ -3940,17 +3982,23 @@
             <a:p>
               <a:pPr algn="ctr"/>
               <a:r>
-                <a:rPr kumimoji="1" lang="en-US" altLang="zh-CN" dirty="0">
+                <a:rPr kumimoji="1" lang="en-US" altLang="zh-CN" sz="1600" dirty="0">
                   <a:solidFill>
                     <a:schemeClr val="tx1"/>
                   </a:solidFill>
+                  <a:latin typeface="Microsoft YaHei" panose="020B0503020204020204" pitchFamily="34" charset="-122"/>
+                  <a:ea typeface="Microsoft YaHei" panose="020B0503020204020204" pitchFamily="34" charset="-122"/>
+                  <a:cs typeface="Arial" panose="020B0604020202020204" pitchFamily="34" charset="0"/>
                 </a:rPr>
                 <a:t>edit the file</a:t>
               </a:r>
-              <a:endParaRPr kumimoji="1" lang="zh-CN" altLang="en-US">
+              <a:endParaRPr kumimoji="1" lang="zh-CN" altLang="en-US" sz="1600">
                 <a:solidFill>
                   <a:schemeClr val="tx1"/>
                 </a:solidFill>
+                <a:latin typeface="Microsoft YaHei" panose="020B0503020204020204" pitchFamily="34" charset="-122"/>
+                <a:ea typeface="Microsoft YaHei" panose="020B0503020204020204" pitchFamily="34" charset="-122"/>
+                <a:cs typeface="Arial" panose="020B0604020202020204" pitchFamily="34" charset="0"/>
               </a:endParaRPr>
             </a:p>
           </p:txBody>
@@ -4001,49 +4049,67 @@
             <a:p>
               <a:pPr algn="ctr"/>
               <a:r>
-                <a:rPr kumimoji="1" lang="en-US" altLang="zh-CN" dirty="0">
+                <a:rPr kumimoji="1" lang="en-US" altLang="zh-CN" sz="1600" dirty="0">
                   <a:solidFill>
                     <a:schemeClr val="tx1"/>
                   </a:solidFill>
+                  <a:latin typeface="Microsoft YaHei" panose="020B0503020204020204" pitchFamily="34" charset="-122"/>
+                  <a:ea typeface="Microsoft YaHei" panose="020B0503020204020204" pitchFamily="34" charset="-122"/>
+                  <a:cs typeface="Arial" panose="020B0604020202020204" pitchFamily="34" charset="0"/>
                 </a:rPr>
                 <a:t>git</a:t>
               </a:r>
               <a:r>
-                <a:rPr kumimoji="1" lang="zh-CN" altLang="en-US">
+                <a:rPr kumimoji="1" lang="zh-CN" altLang="en-US" sz="1600">
                   <a:solidFill>
                     <a:schemeClr val="tx1"/>
                   </a:solidFill>
+                  <a:latin typeface="Microsoft YaHei" panose="020B0503020204020204" pitchFamily="34" charset="-122"/>
+                  <a:ea typeface="Microsoft YaHei" panose="020B0503020204020204" pitchFamily="34" charset="-122"/>
+                  <a:cs typeface="Arial" panose="020B0604020202020204" pitchFamily="34" charset="0"/>
                 </a:rPr>
                 <a:t> </a:t>
               </a:r>
               <a:r>
-                <a:rPr kumimoji="1" lang="en-US" altLang="zh-CN" dirty="0">
+                <a:rPr kumimoji="1" lang="en-US" altLang="zh-CN" sz="1600" dirty="0">
                   <a:solidFill>
                     <a:schemeClr val="tx1"/>
                   </a:solidFill>
+                  <a:latin typeface="Microsoft YaHei" panose="020B0503020204020204" pitchFamily="34" charset="-122"/>
+                  <a:ea typeface="Microsoft YaHei" panose="020B0503020204020204" pitchFamily="34" charset="-122"/>
+                  <a:cs typeface="Arial" panose="020B0604020202020204" pitchFamily="34" charset="0"/>
                 </a:rPr>
                 <a:t>add</a:t>
               </a:r>
               <a:r>
-                <a:rPr kumimoji="1" lang="zh-CN" altLang="en-US">
+                <a:rPr kumimoji="1" lang="zh-CN" altLang="en-US" sz="1600">
                   <a:solidFill>
                     <a:schemeClr val="tx1"/>
                   </a:solidFill>
+                  <a:latin typeface="Microsoft YaHei" panose="020B0503020204020204" pitchFamily="34" charset="-122"/>
+                  <a:ea typeface="Microsoft YaHei" panose="020B0503020204020204" pitchFamily="34" charset="-122"/>
+                  <a:cs typeface="Arial" panose="020B0604020202020204" pitchFamily="34" charset="0"/>
                 </a:rPr>
                 <a:t> </a:t>
               </a:r>
               <a:r>
-                <a:rPr kumimoji="1" lang="en-US" altLang="zh-CN" dirty="0">
+                <a:rPr kumimoji="1" lang="en-US" altLang="zh-CN" sz="1600" dirty="0">
                   <a:solidFill>
                     <a:schemeClr val="tx1"/>
                   </a:solidFill>
+                  <a:latin typeface="Microsoft YaHei" panose="020B0503020204020204" pitchFamily="34" charset="-122"/>
+                  <a:ea typeface="Microsoft YaHei" panose="020B0503020204020204" pitchFamily="34" charset="-122"/>
+                  <a:cs typeface="Arial" panose="020B0604020202020204" pitchFamily="34" charset="0"/>
                 </a:rPr>
                 <a:t>file.txt</a:t>
               </a:r>
-              <a:endParaRPr kumimoji="1" lang="zh-CN" altLang="en-US">
+              <a:endParaRPr kumimoji="1" lang="zh-CN" altLang="en-US" sz="1600">
                 <a:solidFill>
                   <a:schemeClr val="tx1"/>
                 </a:solidFill>
+                <a:latin typeface="Microsoft YaHei" panose="020B0503020204020204" pitchFamily="34" charset="-122"/>
+                <a:ea typeface="Microsoft YaHei" panose="020B0503020204020204" pitchFamily="34" charset="-122"/>
+                <a:cs typeface="Arial" panose="020B0604020202020204" pitchFamily="34" charset="0"/>
               </a:endParaRPr>
             </a:p>
           </p:txBody>
@@ -4096,10 +4162,13 @@
             <a:p>
               <a:pPr algn="ctr"/>
               <a:r>
-                <a:rPr kumimoji="1" lang="en-US" altLang="zh-CN" sz="1200" dirty="0">
+                <a:rPr kumimoji="1" lang="en-US" altLang="zh-CN" sz="1100" dirty="0">
                   <a:solidFill>
                     <a:schemeClr val="tx1"/>
                   </a:solidFill>
+                  <a:latin typeface="Microsoft YaHei" panose="020B0503020204020204" pitchFamily="34" charset="-122"/>
+                  <a:ea typeface="Microsoft YaHei" panose="020B0503020204020204" pitchFamily="34" charset="-122"/>
+                  <a:cs typeface="Arial" panose="020B0604020202020204" pitchFamily="34" charset="0"/>
                 </a:rPr>
                 <a:t>git rm --cached file.txt</a:t>
               </a:r>
@@ -4152,17 +4221,23 @@
             <a:p>
               <a:pPr algn="ctr"/>
               <a:r>
-                <a:rPr kumimoji="1" lang="en-US" altLang="zh-CN" dirty="0">
+                <a:rPr kumimoji="1" lang="en-US" altLang="zh-CN" sz="1600" dirty="0">
                   <a:solidFill>
                     <a:schemeClr val="tx1"/>
                   </a:solidFill>
+                  <a:latin typeface="Microsoft YaHei" panose="020B0503020204020204" pitchFamily="34" charset="-122"/>
+                  <a:ea typeface="Microsoft YaHei" panose="020B0503020204020204" pitchFamily="34" charset="-122"/>
+                  <a:cs typeface="Arial" panose="020B0604020202020204" pitchFamily="34" charset="0"/>
                 </a:rPr>
                 <a:t>git commit </a:t>
               </a:r>
-              <a:endParaRPr kumimoji="1" lang="zh-CN" altLang="en-US">
+              <a:endParaRPr kumimoji="1" lang="zh-CN" altLang="en-US" sz="1600">
                 <a:solidFill>
                   <a:schemeClr val="tx1"/>
                 </a:solidFill>
+                <a:latin typeface="Microsoft YaHei" panose="020B0503020204020204" pitchFamily="34" charset="-122"/>
+                <a:ea typeface="Microsoft YaHei" panose="020B0503020204020204" pitchFamily="34" charset="-122"/>
+                <a:cs typeface="Arial" panose="020B0604020202020204" pitchFamily="34" charset="0"/>
               </a:endParaRPr>
             </a:p>
           </p:txBody>
@@ -4215,10 +4290,13 @@
             <a:p>
               <a:pPr algn="ctr"/>
               <a:r>
-                <a:rPr kumimoji="1" lang="en-US" altLang="zh-CN" sz="1600" dirty="0">
+                <a:rPr kumimoji="1" lang="en-US" altLang="zh-CN" sz="1400" dirty="0">
                   <a:solidFill>
                     <a:schemeClr val="tx1"/>
                   </a:solidFill>
+                  <a:latin typeface="Microsoft YaHei" panose="020B0503020204020204" pitchFamily="34" charset="-122"/>
+                  <a:ea typeface="Microsoft YaHei" panose="020B0503020204020204" pitchFamily="34" charset="-122"/>
+                  <a:cs typeface="Arial" panose="020B0604020202020204" pitchFamily="34" charset="0"/>
                 </a:rPr>
                 <a:t>git restore file.txt</a:t>
               </a:r>
@@ -4273,41 +4351,56 @@
             <a:p>
               <a:pPr algn="ctr"/>
               <a:r>
-                <a:rPr kumimoji="1" lang="en-US" altLang="zh-CN" sz="1200" dirty="0">
+                <a:rPr kumimoji="1" lang="en-US" altLang="zh-CN" sz="1100" dirty="0">
                   <a:solidFill>
                     <a:schemeClr val="tx1"/>
                   </a:solidFill>
+                  <a:latin typeface="Microsoft YaHei" panose="020B0503020204020204" pitchFamily="34" charset="-122"/>
+                  <a:ea typeface="Microsoft YaHei" panose="020B0503020204020204" pitchFamily="34" charset="-122"/>
+                  <a:cs typeface="Arial" panose="020B0604020202020204" pitchFamily="34" charset="0"/>
                 </a:rPr>
                 <a:t>git restore –staged</a:t>
               </a:r>
               <a:r>
-                <a:rPr kumimoji="1" lang="zh-CN" altLang="en-US" sz="1200" dirty="0">
+                <a:rPr kumimoji="1" lang="zh-CN" altLang="en-US" sz="1100" dirty="0">
                   <a:solidFill>
                     <a:schemeClr val="tx1"/>
                   </a:solidFill>
+                  <a:latin typeface="Microsoft YaHei" panose="020B0503020204020204" pitchFamily="34" charset="-122"/>
+                  <a:ea typeface="Microsoft YaHei" panose="020B0503020204020204" pitchFamily="34" charset="-122"/>
+                  <a:cs typeface="Arial" panose="020B0604020202020204" pitchFamily="34" charset="0"/>
                 </a:rPr>
                 <a:t> </a:t>
               </a:r>
               <a:r>
-                <a:rPr kumimoji="1" lang="en-US" altLang="zh-CN" sz="1200" dirty="0" err="1">
+                <a:rPr kumimoji="1" lang="en-US" altLang="zh-CN" sz="1100" dirty="0" err="1">
                   <a:solidFill>
                     <a:schemeClr val="tx1"/>
                   </a:solidFill>
+                  <a:latin typeface="Microsoft YaHei" panose="020B0503020204020204" pitchFamily="34" charset="-122"/>
+                  <a:ea typeface="Microsoft YaHei" panose="020B0503020204020204" pitchFamily="34" charset="-122"/>
+                  <a:cs typeface="Arial" panose="020B0604020202020204" pitchFamily="34" charset="0"/>
                 </a:rPr>
                 <a:t>file.txt</a:t>
               </a:r>
               <a:r>
-                <a:rPr kumimoji="1" lang="zh-CN" altLang="en-US" sz="1200" dirty="0">
+                <a:rPr kumimoji="1" lang="zh-CN" altLang="en-US" sz="1100" dirty="0">
                   <a:solidFill>
                     <a:schemeClr val="tx1"/>
                   </a:solidFill>
+                  <a:latin typeface="Microsoft YaHei" panose="020B0503020204020204" pitchFamily="34" charset="-122"/>
+                  <a:ea typeface="Microsoft YaHei" panose="020B0503020204020204" pitchFamily="34" charset="-122"/>
+                  <a:cs typeface="Arial" panose="020B0604020202020204" pitchFamily="34" charset="0"/>
                 </a:rPr>
                 <a:t> </a:t>
               </a:r>
-              <a:endParaRPr kumimoji="1" lang="en-US" altLang="zh-CN" sz="1200" dirty="0">
+              <a:endParaRPr kumimoji="1" lang="en-US" altLang="zh-CN" sz="1100" dirty="0">
                 <a:solidFill>
                   <a:schemeClr val="tx1"/>
                 </a:solidFill>
+                <a:latin typeface="Microsoft YaHei" panose="020B0503020204020204" pitchFamily="34" charset="-122"/>
+                <a:ea typeface="Microsoft YaHei" panose="020B0503020204020204" pitchFamily="34" charset="-122"/>
+                <a:cs typeface="Arial" panose="020B0604020202020204" pitchFamily="34" charset="0"/>
               </a:endParaRPr>
             </a:p>
           </p:txBody>
@@ -4362,10 +4455,13 @@
             <a:p>
               <a:pPr algn="ctr"/>
               <a:r>
-                <a:rPr kumimoji="1" lang="zh-CN" altLang="en-US" sz="1200" dirty="0">
+                <a:rPr kumimoji="1" lang="zh-CN" altLang="en-US" sz="1100" dirty="0">
                   <a:solidFill>
                     <a:srgbClr val="FF0000"/>
                   </a:solidFill>
+                  <a:latin typeface="Microsoft YaHei" panose="020B0503020204020204" pitchFamily="34" charset="-122"/>
+                  <a:ea typeface="Microsoft YaHei" panose="020B0503020204020204" pitchFamily="34" charset="-122"/>
+                  <a:cs typeface="Arial" panose="020B0604020202020204" pitchFamily="34" charset="0"/>
                 </a:rPr>
                 <a:t>！！！会丢弃所有更改</a:t>
               </a:r>
